--- a/meeting_3_26_25.pptx
+++ b/meeting_3_26_25.pptx
@@ -261,7 +261,7 @@
           <a:p>
             <a:fld id="{747EE0E7-01EF-483F-831E-57E5D6BDACB8}" type="datetimeFigureOut">
               <a:rPr lang="en-US" smtClean="0"/>
-              <a:t>3/24/25</a:t>
+              <a:t>3/26/25</a:t>
             </a:fld>
             <a:endParaRPr lang="en-US"/>
           </a:p>
@@ -459,7 +459,7 @@
           <a:p>
             <a:fld id="{747EE0E7-01EF-483F-831E-57E5D6BDACB8}" type="datetimeFigureOut">
               <a:rPr lang="en-US" smtClean="0"/>
-              <a:t>3/24/25</a:t>
+              <a:t>3/26/25</a:t>
             </a:fld>
             <a:endParaRPr lang="en-US"/>
           </a:p>
@@ -667,7 +667,7 @@
           <a:p>
             <a:fld id="{747EE0E7-01EF-483F-831E-57E5D6BDACB8}" type="datetimeFigureOut">
               <a:rPr lang="en-US" smtClean="0"/>
-              <a:t>3/24/25</a:t>
+              <a:t>3/26/25</a:t>
             </a:fld>
             <a:endParaRPr lang="en-US"/>
           </a:p>
@@ -865,7 +865,7 @@
           <a:p>
             <a:fld id="{747EE0E7-01EF-483F-831E-57E5D6BDACB8}" type="datetimeFigureOut">
               <a:rPr lang="en-US" smtClean="0"/>
-              <a:t>3/24/25</a:t>
+              <a:t>3/26/25</a:t>
             </a:fld>
             <a:endParaRPr lang="en-US"/>
           </a:p>
@@ -1140,7 +1140,7 @@
           <a:p>
             <a:fld id="{747EE0E7-01EF-483F-831E-57E5D6BDACB8}" type="datetimeFigureOut">
               <a:rPr lang="en-US" smtClean="0"/>
-              <a:t>3/24/25</a:t>
+              <a:t>3/26/25</a:t>
             </a:fld>
             <a:endParaRPr lang="en-US"/>
           </a:p>
@@ -1405,7 +1405,7 @@
           <a:p>
             <a:fld id="{747EE0E7-01EF-483F-831E-57E5D6BDACB8}" type="datetimeFigureOut">
               <a:rPr lang="en-US" smtClean="0"/>
-              <a:t>3/24/25</a:t>
+              <a:t>3/26/25</a:t>
             </a:fld>
             <a:endParaRPr lang="en-US"/>
           </a:p>
@@ -1817,7 +1817,7 @@
           <a:p>
             <a:fld id="{747EE0E7-01EF-483F-831E-57E5D6BDACB8}" type="datetimeFigureOut">
               <a:rPr lang="en-US" smtClean="0"/>
-              <a:t>3/24/25</a:t>
+              <a:t>3/26/25</a:t>
             </a:fld>
             <a:endParaRPr lang="en-US"/>
           </a:p>
@@ -1958,7 +1958,7 @@
           <a:p>
             <a:fld id="{747EE0E7-01EF-483F-831E-57E5D6BDACB8}" type="datetimeFigureOut">
               <a:rPr lang="en-US" smtClean="0"/>
-              <a:t>3/24/25</a:t>
+              <a:t>3/26/25</a:t>
             </a:fld>
             <a:endParaRPr lang="en-US"/>
           </a:p>
@@ -2071,7 +2071,7 @@
           <a:p>
             <a:fld id="{747EE0E7-01EF-483F-831E-57E5D6BDACB8}" type="datetimeFigureOut">
               <a:rPr lang="en-US" smtClean="0"/>
-              <a:t>3/24/25</a:t>
+              <a:t>3/26/25</a:t>
             </a:fld>
             <a:endParaRPr lang="en-US"/>
           </a:p>
@@ -2382,7 +2382,7 @@
           <a:p>
             <a:fld id="{747EE0E7-01EF-483F-831E-57E5D6BDACB8}" type="datetimeFigureOut">
               <a:rPr lang="en-US" smtClean="0"/>
-              <a:t>3/24/25</a:t>
+              <a:t>3/26/25</a:t>
             </a:fld>
             <a:endParaRPr lang="en-US"/>
           </a:p>
@@ -2673,7 +2673,7 @@
           <a:p>
             <a:fld id="{747EE0E7-01EF-483F-831E-57E5D6BDACB8}" type="datetimeFigureOut">
               <a:rPr lang="en-US" smtClean="0"/>
-              <a:t>3/24/25</a:t>
+              <a:t>3/26/25</a:t>
             </a:fld>
             <a:endParaRPr lang="en-US"/>
           </a:p>
@@ -2914,7 +2914,7 @@
           <a:p>
             <a:fld id="{747EE0E7-01EF-483F-831E-57E5D6BDACB8}" type="datetimeFigureOut">
               <a:rPr lang="en-US" smtClean="0"/>
-              <a:t>3/24/25</a:t>
+              <a:t>3/26/25</a:t>
             </a:fld>
             <a:endParaRPr lang="en-US"/>
           </a:p>
@@ -3339,10 +3339,10 @@
       </p:grpSpPr>
       <p:pic>
         <p:nvPicPr>
-          <p:cNvPr id="2" name="図 1">
-            <a:extLst>
-              <a:ext uri="{FF2B5EF4-FFF2-40B4-BE49-F238E27FC236}">
-                <a16:creationId xmlns:a16="http://schemas.microsoft.com/office/drawing/2014/main" id="{2F6DB2A3-696E-9B08-3344-39D447D1C09E}"/>
+          <p:cNvPr id="4" name="図 3">
+            <a:extLst>
+              <a:ext uri="{FF2B5EF4-FFF2-40B4-BE49-F238E27FC236}">
+                <a16:creationId xmlns:a16="http://schemas.microsoft.com/office/drawing/2014/main" id="{0827E07B-B245-0179-220B-DADC28DEB561}"/>
               </a:ext>
             </a:extLst>
           </p:cNvPr>
@@ -3359,98 +3359,8 @@
         </p:blipFill>
         <p:spPr>
           <a:xfrm>
-            <a:off x="0" y="0"/>
-            <a:ext cx="4735286" cy="3683000"/>
-          </a:xfrm>
-          <a:prstGeom prst="rect">
-            <a:avLst/>
-          </a:prstGeom>
-        </p:spPr>
-      </p:pic>
-      <p:pic>
-        <p:nvPicPr>
-          <p:cNvPr id="3" name="図 2">
-            <a:extLst>
-              <a:ext uri="{FF2B5EF4-FFF2-40B4-BE49-F238E27FC236}">
-                <a16:creationId xmlns:a16="http://schemas.microsoft.com/office/drawing/2014/main" id="{D64B4E07-CEC2-3546-6C45-71FB40191013}"/>
-              </a:ext>
-            </a:extLst>
-          </p:cNvPr>
-          <p:cNvPicPr>
-            <a:picLocks noChangeAspect="1"/>
-          </p:cNvPicPr>
-          <p:nvPr/>
-        </p:nvPicPr>
-        <p:blipFill>
-          <a:blip r:embed="rId3"/>
-          <a:stretch>
-            <a:fillRect/>
-          </a:stretch>
-        </p:blipFill>
-        <p:spPr>
-          <a:xfrm>
-            <a:off x="7118268" y="0"/>
-            <a:ext cx="5073732" cy="3749778"/>
-          </a:xfrm>
-          <a:prstGeom prst="rect">
-            <a:avLst/>
-          </a:prstGeom>
-        </p:spPr>
-      </p:pic>
-      <p:pic>
-        <p:nvPicPr>
-          <p:cNvPr id="6" name="図 5">
-            <a:extLst>
-              <a:ext uri="{FF2B5EF4-FFF2-40B4-BE49-F238E27FC236}">
-                <a16:creationId xmlns:a16="http://schemas.microsoft.com/office/drawing/2014/main" id="{BED5E858-6E9C-DF57-BCEB-48D1E3C9536A}"/>
-              </a:ext>
-            </a:extLst>
-          </p:cNvPr>
-          <p:cNvPicPr>
-            <a:picLocks noChangeAspect="1"/>
-          </p:cNvPicPr>
-          <p:nvPr/>
-        </p:nvPicPr>
-        <p:blipFill>
-          <a:blip r:embed="rId4"/>
-          <a:stretch>
-            <a:fillRect/>
-          </a:stretch>
-        </p:blipFill>
-        <p:spPr>
-          <a:xfrm>
-            <a:off x="3765468" y="3387565"/>
-            <a:ext cx="4735286" cy="3470435"/>
-          </a:xfrm>
-          <a:prstGeom prst="rect">
-            <a:avLst/>
-          </a:prstGeom>
-        </p:spPr>
-      </p:pic>
-      <p:pic>
-        <p:nvPicPr>
-          <p:cNvPr id="7" name="図 6">
-            <a:extLst>
-              <a:ext uri="{FF2B5EF4-FFF2-40B4-BE49-F238E27FC236}">
-                <a16:creationId xmlns:a16="http://schemas.microsoft.com/office/drawing/2014/main" id="{2455C2F5-9184-7E73-2D37-72224249D2A5}"/>
-              </a:ext>
-            </a:extLst>
-          </p:cNvPr>
-          <p:cNvPicPr>
-            <a:picLocks noChangeAspect="1"/>
-          </p:cNvPicPr>
-          <p:nvPr/>
-        </p:nvPicPr>
-        <p:blipFill>
-          <a:blip r:embed="rId5"/>
-          <a:stretch>
-            <a:fillRect/>
-          </a:stretch>
-        </p:blipFill>
-        <p:spPr>
-          <a:xfrm>
-            <a:off x="5422900" y="1834701"/>
-            <a:ext cx="1346200" cy="660400"/>
+            <a:off x="572905" y="0"/>
+            <a:ext cx="11046189" cy="6858000"/>
           </a:xfrm>
           <a:prstGeom prst="rect">
             <a:avLst/>
@@ -3495,10 +3405,10 @@
       </p:grpSpPr>
       <p:pic>
         <p:nvPicPr>
-          <p:cNvPr id="2" name="図 1">
-            <a:extLst>
-              <a:ext uri="{FF2B5EF4-FFF2-40B4-BE49-F238E27FC236}">
-                <a16:creationId xmlns:a16="http://schemas.microsoft.com/office/drawing/2014/main" id="{04471C09-F35C-54EE-243B-B7620B7539A1}"/>
+          <p:cNvPr id="4" name="図 3">
+            <a:extLst>
+              <a:ext uri="{FF2B5EF4-FFF2-40B4-BE49-F238E27FC236}">
+                <a16:creationId xmlns:a16="http://schemas.microsoft.com/office/drawing/2014/main" id="{132D14C0-8F32-62C4-4F4A-5F765CB415B5}"/>
               </a:ext>
             </a:extLst>
           </p:cNvPr>
@@ -3515,98 +3425,8 @@
         </p:blipFill>
         <p:spPr>
           <a:xfrm>
-            <a:off x="0" y="-1"/>
-            <a:ext cx="4911628" cy="3707049"/>
-          </a:xfrm>
-          <a:prstGeom prst="rect">
-            <a:avLst/>
-          </a:prstGeom>
-        </p:spPr>
-      </p:pic>
-      <p:pic>
-        <p:nvPicPr>
-          <p:cNvPr id="3" name="図 2">
-            <a:extLst>
-              <a:ext uri="{FF2B5EF4-FFF2-40B4-BE49-F238E27FC236}">
-                <a16:creationId xmlns:a16="http://schemas.microsoft.com/office/drawing/2014/main" id="{3CD842AB-A049-538B-2EDE-AB9BB5FD841A}"/>
-              </a:ext>
-            </a:extLst>
-          </p:cNvPr>
-          <p:cNvPicPr>
-            <a:picLocks noChangeAspect="1"/>
-          </p:cNvPicPr>
-          <p:nvPr/>
-        </p:nvPicPr>
-        <p:blipFill>
-          <a:blip r:embed="rId3"/>
-          <a:stretch>
-            <a:fillRect/>
-          </a:stretch>
-        </p:blipFill>
-        <p:spPr>
-          <a:xfrm>
-            <a:off x="7232222" y="-1"/>
-            <a:ext cx="4959777" cy="3707049"/>
-          </a:xfrm>
-          <a:prstGeom prst="rect">
-            <a:avLst/>
-          </a:prstGeom>
-        </p:spPr>
-      </p:pic>
-      <p:pic>
-        <p:nvPicPr>
-          <p:cNvPr id="5" name="図 4">
-            <a:extLst>
-              <a:ext uri="{FF2B5EF4-FFF2-40B4-BE49-F238E27FC236}">
-                <a16:creationId xmlns:a16="http://schemas.microsoft.com/office/drawing/2014/main" id="{9B675D16-5D2E-E112-3A9B-024644C92619}"/>
-              </a:ext>
-            </a:extLst>
-          </p:cNvPr>
-          <p:cNvPicPr>
-            <a:picLocks noChangeAspect="1"/>
-          </p:cNvPicPr>
-          <p:nvPr/>
-        </p:nvPicPr>
-        <p:blipFill>
-          <a:blip r:embed="rId4"/>
-          <a:stretch>
-            <a:fillRect/>
-          </a:stretch>
-        </p:blipFill>
-        <p:spPr>
-          <a:xfrm>
-            <a:off x="3805404" y="3489704"/>
-            <a:ext cx="4581191" cy="3368296"/>
-          </a:xfrm>
-          <a:prstGeom prst="rect">
-            <a:avLst/>
-          </a:prstGeom>
-        </p:spPr>
-      </p:pic>
-      <p:pic>
-        <p:nvPicPr>
-          <p:cNvPr id="6" name="図 5">
-            <a:extLst>
-              <a:ext uri="{FF2B5EF4-FFF2-40B4-BE49-F238E27FC236}">
-                <a16:creationId xmlns:a16="http://schemas.microsoft.com/office/drawing/2014/main" id="{92655473-871D-0FDB-9156-6B5ADF7B1541}"/>
-              </a:ext>
-            </a:extLst>
-          </p:cNvPr>
-          <p:cNvPicPr>
-            <a:picLocks noChangeAspect="1"/>
-          </p:cNvPicPr>
-          <p:nvPr/>
-        </p:nvPicPr>
-        <p:blipFill>
-          <a:blip r:embed="rId5"/>
-          <a:stretch>
-            <a:fillRect/>
-          </a:stretch>
-        </p:blipFill>
-        <p:spPr>
-          <a:xfrm>
-            <a:off x="5422900" y="1525942"/>
-            <a:ext cx="1346200" cy="660400"/>
+            <a:off x="0" y="202103"/>
+            <a:ext cx="12192000" cy="6453793"/>
           </a:xfrm>
           <a:prstGeom prst="rect">
             <a:avLst/>
